--- a/images/transform/図素材.pptx
+++ b/images/transform/図素材.pptx
@@ -5,10 +5,10 @@
     <p:sldMasterId id="2147483660" r:id="rId1"/>
   </p:sldMasterIdLst>
   <p:notesMasterIdLst>
-    <p:notesMasterId r:id="rId20"/>
+    <p:notesMasterId r:id="rId21"/>
   </p:notesMasterIdLst>
   <p:handoutMasterIdLst>
-    <p:handoutMasterId r:id="rId21"/>
+    <p:handoutMasterId r:id="rId22"/>
   </p:handoutMasterIdLst>
   <p:sldIdLst>
     <p:sldId id="575" r:id="rId2"/>
@@ -29,6 +29,7 @@
     <p:sldId id="587" r:id="rId17"/>
     <p:sldId id="593" r:id="rId18"/>
     <p:sldId id="596" r:id="rId19"/>
+    <p:sldId id="597" r:id="rId20"/>
   </p:sldIdLst>
   <p:sldSz cx="9144000" cy="6858000" type="screen4x3"/>
   <p:notesSz cx="6858000" cy="9144000"/>
@@ -232,7 +233,7 @@
           <a:p>
             <a:fld id="{C0D9501B-69D0-4000-9A67-A4069798CF04}" type="datetimeFigureOut">
               <a:rPr kumimoji="1" lang="ja-JP" altLang="en-US" smtClean="0"/>
-              <a:t>2021/5/17</a:t>
+              <a:t>2021/5/23</a:t>
             </a:fld>
             <a:endParaRPr kumimoji="1" lang="ja-JP" altLang="en-US"/>
           </a:p>
@@ -410,7 +411,7 @@
           <a:p>
             <a:fld id="{E1D20702-79C6-4D55-B0C7-6A4E995866BD}" type="datetimeFigureOut">
               <a:rPr kumimoji="1" lang="ja-JP" altLang="en-US" smtClean="0"/>
-              <a:t>2021/5/17</a:t>
+              <a:t>2021/5/23</a:t>
             </a:fld>
             <a:endParaRPr kumimoji="1" lang="ja-JP" altLang="en-US"/>
           </a:p>
@@ -8225,6 +8226,640 @@
     <p:extLst>
       <p:ext uri="{BB962C8B-B14F-4D97-AF65-F5344CB8AC3E}">
         <p14:creationId xmlns:p14="http://schemas.microsoft.com/office/powerpoint/2010/main" val="1807266574"/>
+      </p:ext>
+    </p:extLst>
+  </p:cSld>
+  <p:clrMapOvr>
+    <a:masterClrMapping/>
+  </p:clrMapOvr>
+</p:sld>
+</file>
+
+<file path=ppt/slides/slide19.xml><?xml version="1.0" encoding="utf-8"?>
+<p:sld xmlns:a="http://schemas.openxmlformats.org/drawingml/2006/main" xmlns:r="http://schemas.openxmlformats.org/officeDocument/2006/relationships" xmlns:p="http://schemas.openxmlformats.org/presentationml/2006/main">
+  <p:cSld>
+    <p:spTree>
+      <p:nvGrpSpPr>
+        <p:cNvPr id="1" name=""/>
+        <p:cNvGrpSpPr/>
+        <p:nvPr/>
+      </p:nvGrpSpPr>
+      <p:grpSpPr>
+        <a:xfrm>
+          <a:off x="0" y="0"/>
+          <a:ext cx="0" cy="0"/>
+          <a:chOff x="0" y="0"/>
+          <a:chExt cx="0" cy="0"/>
+        </a:xfrm>
+      </p:grpSpPr>
+      <p:sp>
+        <p:nvSpPr>
+          <p:cNvPr id="2" name="スライド番号プレースホルダー 1">
+            <a:extLst>
+              <a:ext uri="{FF2B5EF4-FFF2-40B4-BE49-F238E27FC236}">
+                <a16:creationId xmlns:a16="http://schemas.microsoft.com/office/drawing/2014/main" id="{6BECDA3C-342E-4183-ADFA-CBDEA24FD4D6}"/>
+              </a:ext>
+            </a:extLst>
+          </p:cNvPr>
+          <p:cNvSpPr>
+            <a:spLocks noGrp="1"/>
+          </p:cNvSpPr>
+          <p:nvPr>
+            <p:ph type="sldNum" sz="quarter" idx="12"/>
+          </p:nvPr>
+        </p:nvSpPr>
+        <p:spPr/>
+        <p:txBody>
+          <a:bodyPr/>
+          <a:lstStyle/>
+          <a:p>
+            <a:fld id="{54E8F7FD-0FB9-42CD-ACB3-7754F601E11E}" type="slidenum">
+              <a:rPr kumimoji="1" lang="ja-JP" altLang="en-US" smtClean="0"/>
+              <a:t>19</a:t>
+            </a:fld>
+            <a:endParaRPr kumimoji="1" lang="ja-JP" altLang="en-US"/>
+          </a:p>
+        </p:txBody>
+      </p:sp>
+      <p:sp>
+        <p:nvSpPr>
+          <p:cNvPr id="3" name="タイトル 2">
+            <a:extLst>
+              <a:ext uri="{FF2B5EF4-FFF2-40B4-BE49-F238E27FC236}">
+                <a16:creationId xmlns:a16="http://schemas.microsoft.com/office/drawing/2014/main" id="{CCA085DE-D9F1-4B92-8892-401CE17EF90C}"/>
+              </a:ext>
+            </a:extLst>
+          </p:cNvPr>
+          <p:cNvSpPr>
+            <a:spLocks noGrp="1"/>
+          </p:cNvSpPr>
+          <p:nvPr>
+            <p:ph type="title"/>
+          </p:nvPr>
+        </p:nvSpPr>
+        <p:spPr/>
+        <p:txBody>
+          <a:bodyPr/>
+          <a:lstStyle/>
+          <a:p>
+            <a:endParaRPr kumimoji="1" lang="ja-JP" altLang="en-US"/>
+          </a:p>
+        </p:txBody>
+      </p:sp>
+      <p:sp>
+        <p:nvSpPr>
+          <p:cNvPr id="4" name="フッター プレースホルダー 3">
+            <a:extLst>
+              <a:ext uri="{FF2B5EF4-FFF2-40B4-BE49-F238E27FC236}">
+                <a16:creationId xmlns:a16="http://schemas.microsoft.com/office/drawing/2014/main" id="{5F423DE6-A60F-4599-A4DC-021FBC0EC300}"/>
+              </a:ext>
+            </a:extLst>
+          </p:cNvPr>
+          <p:cNvSpPr>
+            <a:spLocks noGrp="1"/>
+          </p:cNvSpPr>
+          <p:nvPr>
+            <p:ph type="ftr" sz="quarter" idx="14"/>
+          </p:nvPr>
+        </p:nvSpPr>
+        <p:spPr/>
+        <p:txBody>
+          <a:bodyPr/>
+          <a:lstStyle/>
+          <a:p>
+            <a:endParaRPr lang="ja-JP" altLang="en-US" dirty="0"/>
+          </a:p>
+        </p:txBody>
+      </p:sp>
+      <p:sp>
+        <p:nvSpPr>
+          <p:cNvPr id="5" name="テキスト ボックス 4">
+            <a:extLst>
+              <a:ext uri="{FF2B5EF4-FFF2-40B4-BE49-F238E27FC236}">
+                <a16:creationId xmlns:a16="http://schemas.microsoft.com/office/drawing/2014/main" id="{9FF11C78-26A3-48A4-AD79-BE152B35A7AC}"/>
+              </a:ext>
+            </a:extLst>
+          </p:cNvPr>
+          <p:cNvSpPr txBox="1"/>
+          <p:nvPr/>
+        </p:nvSpPr>
+        <p:spPr>
+          <a:xfrm>
+            <a:off x="2171700" y="1555795"/>
+            <a:ext cx="4190250" cy="3539430"/>
+          </a:xfrm>
+          <a:prstGeom prst="rect">
+            <a:avLst/>
+          </a:prstGeom>
+          <a:noFill/>
+        </p:spPr>
+        <p:txBody>
+          <a:bodyPr wrap="none" rtlCol="0">
+            <a:spAutoFit/>
+          </a:bodyPr>
+          <a:lstStyle/>
+          <a:p>
+            <a:endParaRPr kumimoji="1" lang="en-US" altLang="ja-JP" sz="1600"/>
+          </a:p>
+          <a:p>
+            <a:r>
+              <a:rPr kumimoji="1" lang="en-US" altLang="ja-JP" sz="1600">
+                <a:solidFill>
+                  <a:srgbClr val="008080"/>
+                </a:solidFill>
+              </a:rPr>
+              <a:t>pushMatrix</a:t>
+            </a:r>
+            <a:r>
+              <a:rPr kumimoji="1" lang="en-US" altLang="ja-JP" sz="1600"/>
+              <a:t>();    </a:t>
+            </a:r>
+            <a:r>
+              <a:rPr kumimoji="1" lang="en-US" altLang="ja-JP" sz="1600">
+                <a:solidFill>
+                  <a:schemeClr val="tx1">
+                    <a:lumMod val="50000"/>
+                    <a:lumOff val="50000"/>
+                  </a:schemeClr>
+                </a:solidFill>
+              </a:rPr>
+              <a:t>//</a:t>
+            </a:r>
+            <a:r>
+              <a:rPr kumimoji="1" lang="en-US" altLang="ja-JP" sz="1600"/>
+              <a:t> </a:t>
+            </a:r>
+            <a:r>
+              <a:rPr kumimoji="1" lang="ja-JP" altLang="en-US" sz="1600">
+                <a:solidFill>
+                  <a:srgbClr val="008080"/>
+                </a:solidFill>
+              </a:rPr>
+              <a:t>座標系</a:t>
+            </a:r>
+            <a:r>
+              <a:rPr kumimoji="1" lang="en-US" altLang="ja-JP" sz="1600">
+                <a:solidFill>
+                  <a:srgbClr val="008080"/>
+                </a:solidFill>
+              </a:rPr>
+              <a:t>1</a:t>
+            </a:r>
+            <a:r>
+              <a:rPr kumimoji="1" lang="ja-JP" altLang="en-US" sz="1600">
+                <a:solidFill>
+                  <a:schemeClr val="tx1">
+                    <a:lumMod val="50000"/>
+                    <a:lumOff val="50000"/>
+                  </a:schemeClr>
+                </a:solidFill>
+              </a:rPr>
+              <a:t>の保存</a:t>
+            </a:r>
+          </a:p>
+          <a:p>
+            <a:endParaRPr kumimoji="1" lang="ja-JP" altLang="en-US" sz="1600"/>
+          </a:p>
+          <a:p>
+            <a:r>
+              <a:rPr kumimoji="1" lang="en-US" altLang="ja-JP" sz="1600"/>
+              <a:t>translate(</a:t>
+            </a:r>
+            <a:r>
+              <a:rPr kumimoji="1" lang="en-US" altLang="ja-JP" sz="1600">
+                <a:solidFill>
+                  <a:schemeClr val="tx1">
+                    <a:lumMod val="50000"/>
+                    <a:lumOff val="50000"/>
+                  </a:schemeClr>
+                </a:solidFill>
+              </a:rPr>
+              <a:t>/**/</a:t>
+            </a:r>
+            <a:r>
+              <a:rPr kumimoji="1" lang="en-US" altLang="ja-JP" sz="1600"/>
+              <a:t>);</a:t>
+            </a:r>
+          </a:p>
+          <a:p>
+            <a:endParaRPr kumimoji="1" lang="en-US" altLang="ja-JP" sz="1600"/>
+          </a:p>
+          <a:p>
+            <a:r>
+              <a:rPr kumimoji="1" lang="en-US" altLang="ja-JP" sz="1600">
+                <a:solidFill>
+                  <a:srgbClr val="C00000"/>
+                </a:solidFill>
+              </a:rPr>
+              <a:t>pushMatrix</a:t>
+            </a:r>
+            <a:r>
+              <a:rPr kumimoji="1" lang="en-US" altLang="ja-JP" sz="1600"/>
+              <a:t>();    </a:t>
+            </a:r>
+            <a:r>
+              <a:rPr kumimoji="1" lang="en-US" altLang="ja-JP" sz="1600">
+                <a:solidFill>
+                  <a:schemeClr val="tx1">
+                    <a:lumMod val="50000"/>
+                    <a:lumOff val="50000"/>
+                  </a:schemeClr>
+                </a:solidFill>
+              </a:rPr>
+              <a:t>// </a:t>
+            </a:r>
+            <a:r>
+              <a:rPr kumimoji="1" lang="ja-JP" altLang="en-US" sz="1600">
+                <a:solidFill>
+                  <a:srgbClr val="C00000"/>
+                </a:solidFill>
+              </a:rPr>
+              <a:t>座標系</a:t>
+            </a:r>
+            <a:r>
+              <a:rPr kumimoji="1" lang="en-US" altLang="ja-JP" sz="1600">
+                <a:solidFill>
+                  <a:srgbClr val="C00000"/>
+                </a:solidFill>
+              </a:rPr>
+              <a:t>2</a:t>
+            </a:r>
+            <a:r>
+              <a:rPr kumimoji="1" lang="ja-JP" altLang="en-US" sz="1600">
+                <a:solidFill>
+                  <a:schemeClr val="tx1">
+                    <a:lumMod val="50000"/>
+                    <a:lumOff val="50000"/>
+                  </a:schemeClr>
+                </a:solidFill>
+              </a:rPr>
+              <a:t>の保存</a:t>
+            </a:r>
+          </a:p>
+          <a:p>
+            <a:endParaRPr kumimoji="1" lang="ja-JP" altLang="en-US" sz="1600"/>
+          </a:p>
+          <a:p>
+            <a:r>
+              <a:rPr kumimoji="1" lang="en-US" altLang="ja-JP" sz="1600"/>
+              <a:t>scale(</a:t>
+            </a:r>
+            <a:r>
+              <a:rPr kumimoji="1" lang="en-US" altLang="ja-JP" sz="1600">
+                <a:solidFill>
+                  <a:schemeClr val="tx1">
+                    <a:lumMod val="50000"/>
+                    <a:lumOff val="50000"/>
+                  </a:schemeClr>
+                </a:solidFill>
+              </a:rPr>
+              <a:t>/**/</a:t>
+            </a:r>
+            <a:r>
+              <a:rPr kumimoji="1" lang="en-US" altLang="ja-JP" sz="1600"/>
+              <a:t>);</a:t>
+            </a:r>
+          </a:p>
+          <a:p>
+            <a:r>
+              <a:rPr kumimoji="1" lang="en-US" altLang="ja-JP" sz="1600"/>
+              <a:t>translate(</a:t>
+            </a:r>
+            <a:r>
+              <a:rPr kumimoji="1" lang="en-US" altLang="ja-JP" sz="1600">
+                <a:solidFill>
+                  <a:schemeClr val="tx1">
+                    <a:lumMod val="50000"/>
+                    <a:lumOff val="50000"/>
+                  </a:schemeClr>
+                </a:solidFill>
+              </a:rPr>
+              <a:t>/**/</a:t>
+            </a:r>
+            <a:r>
+              <a:rPr kumimoji="1" lang="en-US" altLang="ja-JP" sz="1600"/>
+              <a:t>);</a:t>
+            </a:r>
+          </a:p>
+          <a:p>
+            <a:r>
+              <a:rPr kumimoji="1" lang="en-US" altLang="ja-JP" sz="1600"/>
+              <a:t>rotate(</a:t>
+            </a:r>
+            <a:r>
+              <a:rPr kumimoji="1" lang="en-US" altLang="ja-JP" sz="1600">
+                <a:solidFill>
+                  <a:schemeClr val="tx1">
+                    <a:lumMod val="50000"/>
+                    <a:lumOff val="50000"/>
+                  </a:schemeClr>
+                </a:solidFill>
+              </a:rPr>
+              <a:t>/**/</a:t>
+            </a:r>
+            <a:r>
+              <a:rPr kumimoji="1" lang="en-US" altLang="ja-JP" sz="1600"/>
+              <a:t>);</a:t>
+            </a:r>
+          </a:p>
+          <a:p>
+            <a:endParaRPr kumimoji="1" lang="en-US" altLang="ja-JP" sz="1600"/>
+          </a:p>
+          <a:p>
+            <a:r>
+              <a:rPr kumimoji="1" lang="en-US" altLang="ja-JP" sz="1600">
+                <a:solidFill>
+                  <a:srgbClr val="C00000"/>
+                </a:solidFill>
+              </a:rPr>
+              <a:t>popMatrix</a:t>
+            </a:r>
+            <a:r>
+              <a:rPr kumimoji="1" lang="en-US" altLang="ja-JP" sz="1600"/>
+              <a:t>();    </a:t>
+            </a:r>
+            <a:r>
+              <a:rPr kumimoji="1" lang="en-US" altLang="ja-JP" sz="1600">
+                <a:solidFill>
+                  <a:schemeClr val="tx1">
+                    <a:lumMod val="50000"/>
+                    <a:lumOff val="50000"/>
+                  </a:schemeClr>
+                </a:solidFill>
+              </a:rPr>
+              <a:t>// </a:t>
+            </a:r>
+            <a:r>
+              <a:rPr kumimoji="1" lang="ja-JP" altLang="en-US" sz="1600">
+                <a:solidFill>
+                  <a:schemeClr val="tx1">
+                    <a:lumMod val="50000"/>
+                    <a:lumOff val="50000"/>
+                  </a:schemeClr>
+                </a:solidFill>
+              </a:rPr>
+              <a:t>保存していた</a:t>
+            </a:r>
+            <a:r>
+              <a:rPr kumimoji="1" lang="ja-JP" altLang="en-US" sz="1600">
+                <a:solidFill>
+                  <a:srgbClr val="C00000"/>
+                </a:solidFill>
+              </a:rPr>
+              <a:t>座標系</a:t>
+            </a:r>
+            <a:r>
+              <a:rPr kumimoji="1" lang="en-US" altLang="ja-JP" sz="1600">
+                <a:solidFill>
+                  <a:srgbClr val="C00000"/>
+                </a:solidFill>
+              </a:rPr>
+              <a:t>2</a:t>
+            </a:r>
+            <a:r>
+              <a:rPr kumimoji="1" lang="ja-JP" altLang="en-US" sz="1600">
+                <a:solidFill>
+                  <a:schemeClr val="tx1">
+                    <a:lumMod val="50000"/>
+                    <a:lumOff val="50000"/>
+                  </a:schemeClr>
+                </a:solidFill>
+              </a:rPr>
+              <a:t>に戻す</a:t>
+            </a:r>
+          </a:p>
+          <a:p>
+            <a:endParaRPr kumimoji="1" lang="ja-JP" altLang="en-US" sz="1600"/>
+          </a:p>
+          <a:p>
+            <a:r>
+              <a:rPr kumimoji="1" lang="en-US" altLang="ja-JP" sz="1600">
+                <a:solidFill>
+                  <a:srgbClr val="008080"/>
+                </a:solidFill>
+              </a:rPr>
+              <a:t>popMatrix</a:t>
+            </a:r>
+            <a:r>
+              <a:rPr kumimoji="1" lang="en-US" altLang="ja-JP" sz="1600"/>
+              <a:t>();    </a:t>
+            </a:r>
+            <a:r>
+              <a:rPr kumimoji="1" lang="en-US" altLang="ja-JP" sz="1600">
+                <a:solidFill>
+                  <a:schemeClr val="tx1">
+                    <a:lumMod val="50000"/>
+                    <a:lumOff val="50000"/>
+                  </a:schemeClr>
+                </a:solidFill>
+              </a:rPr>
+              <a:t>// </a:t>
+            </a:r>
+            <a:r>
+              <a:rPr kumimoji="1" lang="ja-JP" altLang="en-US" sz="1600">
+                <a:solidFill>
+                  <a:schemeClr val="tx1">
+                    <a:lumMod val="50000"/>
+                    <a:lumOff val="50000"/>
+                  </a:schemeClr>
+                </a:solidFill>
+              </a:rPr>
+              <a:t>保存していた</a:t>
+            </a:r>
+            <a:r>
+              <a:rPr kumimoji="1" lang="ja-JP" altLang="en-US" sz="1600">
+                <a:solidFill>
+                  <a:srgbClr val="008080"/>
+                </a:solidFill>
+              </a:rPr>
+              <a:t>座標系</a:t>
+            </a:r>
+            <a:r>
+              <a:rPr kumimoji="1" lang="en-US" altLang="ja-JP" sz="1600">
+                <a:solidFill>
+                  <a:srgbClr val="008080"/>
+                </a:solidFill>
+              </a:rPr>
+              <a:t>1</a:t>
+            </a:r>
+            <a:r>
+              <a:rPr kumimoji="1" lang="ja-JP" altLang="en-US" sz="1600">
+                <a:solidFill>
+                  <a:schemeClr val="tx1">
+                    <a:lumMod val="50000"/>
+                    <a:lumOff val="50000"/>
+                  </a:schemeClr>
+                </a:solidFill>
+              </a:rPr>
+              <a:t>に戻す</a:t>
+            </a:r>
+          </a:p>
+        </p:txBody>
+      </p:sp>
+      <p:sp>
+        <p:nvSpPr>
+          <p:cNvPr id="6" name="円弧 5">
+            <a:extLst>
+              <a:ext uri="{FF2B5EF4-FFF2-40B4-BE49-F238E27FC236}">
+                <a16:creationId xmlns:a16="http://schemas.microsoft.com/office/drawing/2014/main" id="{FF690389-36B8-41AD-A615-DF9E04B3BAA3}"/>
+              </a:ext>
+            </a:extLst>
+          </p:cNvPr>
+          <p:cNvSpPr/>
+          <p:nvPr/>
+        </p:nvSpPr>
+        <p:spPr>
+          <a:xfrm>
+            <a:off x="3807502" y="2945568"/>
+            <a:ext cx="2773180" cy="1697876"/>
+          </a:xfrm>
+          <a:prstGeom prst="arc">
+            <a:avLst>
+              <a:gd name="adj1" fmla="val 16129740"/>
+              <a:gd name="adj2" fmla="val 1588349"/>
+            </a:avLst>
+          </a:prstGeom>
+          <a:ln w="12700">
+            <a:solidFill>
+              <a:srgbClr val="FF0000"/>
+            </a:solidFill>
+            <a:headEnd type="arrow" w="med" len="med"/>
+            <a:tailEnd type="none" w="med" len="med"/>
+          </a:ln>
+        </p:spPr>
+        <p:style>
+          <a:lnRef idx="1">
+            <a:schemeClr val="accent1"/>
+          </a:lnRef>
+          <a:fillRef idx="0">
+            <a:schemeClr val="accent1"/>
+          </a:fillRef>
+          <a:effectRef idx="0">
+            <a:schemeClr val="accent1"/>
+          </a:effectRef>
+          <a:fontRef idx="minor">
+            <a:schemeClr val="tx1"/>
+          </a:fontRef>
+        </p:style>
+        <p:txBody>
+          <a:bodyPr rtlCol="0" anchor="ctr"/>
+          <a:lstStyle/>
+          <a:p>
+            <a:pPr algn="ctr"/>
+            <a:endParaRPr kumimoji="1" lang="ja-JP" altLang="en-US"/>
+          </a:p>
+        </p:txBody>
+      </p:sp>
+      <p:sp>
+        <p:nvSpPr>
+          <p:cNvPr id="8" name="円弧 7">
+            <a:extLst>
+              <a:ext uri="{FF2B5EF4-FFF2-40B4-BE49-F238E27FC236}">
+                <a16:creationId xmlns:a16="http://schemas.microsoft.com/office/drawing/2014/main" id="{15992C9F-C39F-4B58-9E2A-9EE8281D6743}"/>
+              </a:ext>
+            </a:extLst>
+          </p:cNvPr>
+          <p:cNvSpPr/>
+          <p:nvPr/>
+        </p:nvSpPr>
+        <p:spPr>
+          <a:xfrm>
+            <a:off x="3440244" y="1971207"/>
+            <a:ext cx="3532056" cy="3251857"/>
+          </a:xfrm>
+          <a:prstGeom prst="arc">
+            <a:avLst>
+              <a:gd name="adj1" fmla="val 16129740"/>
+              <a:gd name="adj2" fmla="val 3037803"/>
+            </a:avLst>
+          </a:prstGeom>
+          <a:ln w="12700">
+            <a:solidFill>
+              <a:srgbClr val="FF0000"/>
+            </a:solidFill>
+            <a:headEnd type="arrow" w="med" len="med"/>
+            <a:tailEnd type="none" w="med" len="med"/>
+          </a:ln>
+        </p:spPr>
+        <p:style>
+          <a:lnRef idx="1">
+            <a:schemeClr val="accent1"/>
+          </a:lnRef>
+          <a:fillRef idx="0">
+            <a:schemeClr val="accent1"/>
+          </a:fillRef>
+          <a:effectRef idx="0">
+            <a:schemeClr val="accent1"/>
+          </a:effectRef>
+          <a:fontRef idx="minor">
+            <a:schemeClr val="tx1"/>
+          </a:fontRef>
+        </p:style>
+        <p:txBody>
+          <a:bodyPr rtlCol="0" anchor="ctr"/>
+          <a:lstStyle/>
+          <a:p>
+            <a:pPr algn="ctr"/>
+            <a:endParaRPr kumimoji="1" lang="ja-JP" altLang="en-US"/>
+          </a:p>
+        </p:txBody>
+      </p:sp>
+      <p:sp>
+        <p:nvSpPr>
+          <p:cNvPr id="9" name="正方形/長方形 8">
+            <a:extLst>
+              <a:ext uri="{FF2B5EF4-FFF2-40B4-BE49-F238E27FC236}">
+                <a16:creationId xmlns:a16="http://schemas.microsoft.com/office/drawing/2014/main" id="{0D03C5F7-71AA-41B3-8BC2-351D666BBF32}"/>
+              </a:ext>
+            </a:extLst>
+          </p:cNvPr>
+          <p:cNvSpPr/>
+          <p:nvPr/>
+        </p:nvSpPr>
+        <p:spPr>
+          <a:xfrm>
+            <a:off x="2083633" y="1656413"/>
+            <a:ext cx="5149121" cy="3566651"/>
+          </a:xfrm>
+          <a:prstGeom prst="rect">
+            <a:avLst/>
+          </a:prstGeom>
+          <a:noFill/>
+          <a:ln w="6350">
+            <a:solidFill>
+              <a:schemeClr val="tx1"/>
+            </a:solidFill>
+          </a:ln>
+        </p:spPr>
+        <p:style>
+          <a:lnRef idx="2">
+            <a:schemeClr val="accent1">
+              <a:shade val="50000"/>
+            </a:schemeClr>
+          </a:lnRef>
+          <a:fillRef idx="1">
+            <a:schemeClr val="accent1"/>
+          </a:fillRef>
+          <a:effectRef idx="0">
+            <a:schemeClr val="accent1"/>
+          </a:effectRef>
+          <a:fontRef idx="minor">
+            <a:schemeClr val="lt1"/>
+          </a:fontRef>
+        </p:style>
+        <p:txBody>
+          <a:bodyPr rtlCol="0" anchor="ctr"/>
+          <a:lstStyle/>
+          <a:p>
+            <a:pPr algn="ctr"/>
+            <a:endParaRPr kumimoji="1" lang="ja-JP" altLang="en-US"/>
+          </a:p>
+        </p:txBody>
+      </p:sp>
+    </p:spTree>
+    <p:extLst>
+      <p:ext uri="{BB962C8B-B14F-4D97-AF65-F5344CB8AC3E}">
+        <p14:creationId xmlns:p14="http://schemas.microsoft.com/office/powerpoint/2010/main" val="4121508816"/>
       </p:ext>
     </p:extLst>
   </p:cSld>
